--- a/05_IntergalacticSPIN.pptx
+++ b/05_IntergalacticSPIN.pptx
@@ -253,7 +253,7 @@
           <a:p>
             <a:fld id="{F319E496-E8FF-4856-B08F-DBE14D18B236}" type="datetimeFigureOut">
               <a:rPr lang="en-US" smtClean="0"/>
-              <a:t>2/13/2021</a:t>
+              <a:t>2/14/2021</a:t>
             </a:fld>
             <a:endParaRPr lang="en-US" dirty="0"/>
           </a:p>
@@ -430,7 +430,7 @@
           <a:p>
             <a:fld id="{4572F63B-EF0F-9942-98B2-F67CC88AF236}" type="datetimeFigureOut">
               <a:rPr lang="en-US" smtClean="0"/>
-              <a:t>2/13/2021</a:t>
+              <a:t>2/14/2021</a:t>
             </a:fld>
             <a:endParaRPr lang="en-US" dirty="0"/>
           </a:p>
@@ -3269,14 +3269,14 @@
           </a:ln>
           <a:extLst>
             <a:ext uri="{909E8E84-426E-40dd-AFC4-6F175D3DCCD1}">
-              <a14:hiddenFill xmlns="" xmlns:a14="http://schemas.microsoft.com/office/drawing/2010/main">
+              <a14:hiddenFill xmlns:a14="http://schemas.microsoft.com/office/drawing/2010/main" xmlns="">
                 <a:solidFill>
                   <a:schemeClr val="accent1"/>
                 </a:solidFill>
               </a14:hiddenFill>
             </a:ext>
             <a:ext uri="{91240B29-F687-4f45-9708-019B960494DF}">
-              <a14:hiddenLine xmlns="" xmlns:a14="http://schemas.microsoft.com/office/drawing/2010/main" w="9525">
+              <a14:hiddenLine xmlns:a14="http://schemas.microsoft.com/office/drawing/2010/main" xmlns="" w="9525">
                 <a:solidFill>
                   <a:schemeClr val="tx1"/>
                 </a:solidFill>
@@ -6158,7 +6158,7 @@
             <a:pPr lvl="2"/>
             <a:r>
               <a:rPr lang="en-ZA" dirty="0"/>
-              <a:t>Single source, reduce administration using automation.</a:t>
+              <a:t>Single source, reduce administration using automation, iterative improvements.</a:t>
             </a:r>
           </a:p>
           <a:p>
@@ -6248,7 +6248,7 @@
             </a:r>
             <a:r>
               <a:rPr lang="en-ZA" dirty="0" err="1"/>
-              <a:t>50_Questions_Models.xslm</a:t>
+              <a:t>60_Questions_Models.xslm</a:t>
             </a:r>
             <a:endParaRPr lang="en-ZA" dirty="0"/>
           </a:p>
@@ -6264,7 +6264,7 @@
             </a:r>
             <a:r>
               <a:rPr lang="en-ZA" dirty="0" err="1"/>
-              <a:t>20_OpeningBriefing</a:t>
+              <a:t>20_OpeningBriefing.pptx</a:t>
             </a:r>
             <a:r>
               <a:rPr lang="en-ZA" dirty="0"/>
@@ -6272,7 +6272,7 @@
             </a:r>
             <a:r>
               <a:rPr lang="en-ZA" dirty="0" err="1"/>
-              <a:t>21_PreliminaryFindings</a:t>
+              <a:t>21_PreliminaryFindings.pptx</a:t>
             </a:r>
             <a:r>
               <a:rPr lang="en-ZA" dirty="0"/>
@@ -6280,7 +6280,7 @@
             </a:r>
             <a:r>
               <a:rPr lang="en-ZA" dirty="0" err="1"/>
-              <a:t>30_FinalFindings</a:t>
+              <a:t>30_FinalFindings.pptx</a:t>
             </a:r>
             <a:endParaRPr lang="en-ZA" dirty="0"/>
           </a:p>
@@ -8892,6 +8892,12 @@
 </file>
 
 <file path=customXml/item1.xml><?xml version="1.0" encoding="utf-8"?>
+<p:properties xmlns:p="http://schemas.microsoft.com/office/2006/metadata/properties" xmlns:xsi="http://www.w3.org/2001/XMLSchema-instance" xmlns:pc="http://schemas.microsoft.com/office/infopath/2007/PartnerControls">
+  <documentManagement/>
+</p:properties>
+</file>
+
+<file path=customXml/item2.xml><?xml version="1.0" encoding="utf-8"?>
 <ct:contentTypeSchema xmlns:ct="http://schemas.microsoft.com/office/2006/metadata/contentType" xmlns:ma="http://schemas.microsoft.com/office/2006/metadata/properties/metaAttributes" ct:_="" ma:_="" ma:contentTypeName="Document" ma:contentTypeID="0x010100F041F74863103D4C9C3AA0A07291BB02" ma:contentTypeVersion="12" ma:contentTypeDescription="Create a new document." ma:contentTypeScope="" ma:versionID="b6917a42179461cc29e626d7b562cefd">
   <xsd:schema xmlns:xsd="http://www.w3.org/2001/XMLSchema" xmlns:xs="http://www.w3.org/2001/XMLSchema" xmlns:p="http://schemas.microsoft.com/office/2006/metadata/properties" xmlns:ns2="25bcabcf-d275-4206-9fb1-2f2d419cd22b" xmlns:ns3="ec500478-62e0-46fc-87f1-cfa988e486b4" targetNamespace="http://schemas.microsoft.com/office/2006/metadata/properties" ma:root="true" ma:fieldsID="2a71d797267f4c7d6ca005f01f7b1c6c" ns2:_="" ns3:_="">
     <xsd:import namespace="25bcabcf-d275-4206-9fb1-2f2d419cd22b"/>
@@ -9108,12 +9114,6 @@
 </ct:contentTypeSchema>
 </file>
 
-<file path=customXml/item2.xml><?xml version="1.0" encoding="utf-8"?>
-<p:properties xmlns:p="http://schemas.microsoft.com/office/2006/metadata/properties" xmlns:xsi="http://www.w3.org/2001/XMLSchema-instance" xmlns:pc="http://schemas.microsoft.com/office/infopath/2007/PartnerControls">
-  <documentManagement/>
-</p:properties>
-</file>
-
 <file path=customXml/item3.xml><?xml version="1.0" encoding="utf-8"?>
 <?mso-contentType ?>
 <FormTemplates xmlns="http://schemas.microsoft.com/sharepoint/v3/contenttype/forms">
@@ -9124,6 +9124,23 @@
 </file>
 
 <file path=customXml/itemProps1.xml><?xml version="1.0" encoding="utf-8"?>
+<ds:datastoreItem xmlns:ds="http://schemas.openxmlformats.org/officeDocument/2006/customXml" ds:itemID="{5F07B0D7-F930-4230-933E-ABA84959494E}">
+  <ds:schemaRefs>
+    <ds:schemaRef ds:uri="http://purl.org/dc/elements/1.1/"/>
+    <ds:schemaRef ds:uri="http://schemas.microsoft.com/office/2006/metadata/properties"/>
+    <ds:schemaRef ds:uri="http://schemas.microsoft.com/office/2006/documentManagement/types"/>
+    <ds:schemaRef ds:uri="http://schemas.openxmlformats.org/package/2006/metadata/core-properties"/>
+    <ds:schemaRef ds:uri="72e3a154-4955-46c3-9573-e9dec3e1f195"/>
+    <ds:schemaRef ds:uri="http://purl.org/dc/dcmitype/"/>
+    <ds:schemaRef ds:uri="http://schemas.microsoft.com/office/infopath/2007/PartnerControls"/>
+    <ds:schemaRef ds:uri="ec500478-62e0-46fc-87f1-cfa988e486b4"/>
+    <ds:schemaRef ds:uri="http://www.w3.org/XML/1998/namespace"/>
+    <ds:schemaRef ds:uri="http://purl.org/dc/terms/"/>
+  </ds:schemaRefs>
+</ds:datastoreItem>
+</file>
+
+<file path=customXml/itemProps2.xml><?xml version="1.0" encoding="utf-8"?>
 <ds:datastoreItem xmlns:ds="http://schemas.openxmlformats.org/officeDocument/2006/customXml" ds:itemID="{B96A4D6A-DB22-42E8-ACBD-6078C4389774}">
   <ds:schemaRefs>
     <ds:schemaRef ds:uri="http://schemas.microsoft.com/office/2006/metadata/contentType"/>
@@ -9142,23 +9159,6 @@
 </ds:datastoreItem>
 </file>
 
-<file path=customXml/itemProps2.xml><?xml version="1.0" encoding="utf-8"?>
-<ds:datastoreItem xmlns:ds="http://schemas.openxmlformats.org/officeDocument/2006/customXml" ds:itemID="{5F07B0D7-F930-4230-933E-ABA84959494E}">
-  <ds:schemaRefs>
-    <ds:schemaRef ds:uri="http://purl.org/dc/elements/1.1/"/>
-    <ds:schemaRef ds:uri="http://schemas.microsoft.com/office/2006/metadata/properties"/>
-    <ds:schemaRef ds:uri="http://schemas.microsoft.com/office/2006/documentManagement/types"/>
-    <ds:schemaRef ds:uri="http://schemas.openxmlformats.org/package/2006/metadata/core-properties"/>
-    <ds:schemaRef ds:uri="72e3a154-4955-46c3-9573-e9dec3e1f195"/>
-    <ds:schemaRef ds:uri="http://purl.org/dc/dcmitype/"/>
-    <ds:schemaRef ds:uri="http://schemas.microsoft.com/office/infopath/2007/PartnerControls"/>
-    <ds:schemaRef ds:uri="ec500478-62e0-46fc-87f1-cfa988e486b4"/>
-    <ds:schemaRef ds:uri="http://www.w3.org/XML/1998/namespace"/>
-    <ds:schemaRef ds:uri="http://purl.org/dc/terms/"/>
-  </ds:schemaRefs>
-</ds:datastoreItem>
-</file>
-
 <file path=customXml/itemProps3.xml><?xml version="1.0" encoding="utf-8"?>
 <ds:datastoreItem xmlns:ds="http://schemas.openxmlformats.org/officeDocument/2006/customXml" ds:itemID="{B8B49826-D5EE-4D24-B649-7C3A19B527D2}">
   <ds:schemaRefs>

--- a/05_IntergalacticSPIN.pptx
+++ b/05_IntergalacticSPIN.pptx
@@ -253,7 +253,7 @@
           <a:p>
             <a:fld id="{F319E496-E8FF-4856-B08F-DBE14D18B236}" type="datetimeFigureOut">
               <a:rPr lang="en-US" smtClean="0"/>
-              <a:t>2/14/2021</a:t>
+              <a:t>2/15/2021</a:t>
             </a:fld>
             <a:endParaRPr lang="en-US" dirty="0"/>
           </a:p>
@@ -430,7 +430,7 @@
           <a:p>
             <a:fld id="{4572F63B-EF0F-9942-98B2-F67CC88AF236}" type="datetimeFigureOut">
               <a:rPr lang="en-US" smtClean="0"/>
-              <a:t>2/14/2021</a:t>
+              <a:t>2/15/2021</a:t>
             </a:fld>
             <a:endParaRPr lang="en-US" dirty="0"/>
           </a:p>
@@ -3269,14 +3269,14 @@
           </a:ln>
           <a:extLst>
             <a:ext uri="{909E8E84-426E-40dd-AFC4-6F175D3DCCD1}">
-              <a14:hiddenFill xmlns:a14="http://schemas.microsoft.com/office/drawing/2010/main" xmlns="">
+              <a14:hiddenFill xmlns="" xmlns:a14="http://schemas.microsoft.com/office/drawing/2010/main">
                 <a:solidFill>
                   <a:schemeClr val="accent1"/>
                 </a:solidFill>
               </a14:hiddenFill>
             </a:ext>
             <a:ext uri="{91240B29-F687-4f45-9708-019B960494DF}">
-              <a14:hiddenLine xmlns:a14="http://schemas.microsoft.com/office/drawing/2010/main" xmlns="" w="9525">
+              <a14:hiddenLine xmlns="" xmlns:a14="http://schemas.microsoft.com/office/drawing/2010/main" w="9525">
                 <a:solidFill>
                   <a:schemeClr val="tx1"/>
                 </a:solidFill>
@@ -8898,6 +8898,15 @@
 </file>
 
 <file path=customXml/item2.xml><?xml version="1.0" encoding="utf-8"?>
+<?mso-contentType ?>
+<FormTemplates xmlns="http://schemas.microsoft.com/sharepoint/v3/contenttype/forms">
+  <Display>DocumentLibraryForm</Display>
+  <Edit>DocumentLibraryForm</Edit>
+  <New>DocumentLibraryForm</New>
+</FormTemplates>
+</file>
+
+<file path=customXml/item3.xml><?xml version="1.0" encoding="utf-8"?>
 <ct:contentTypeSchema xmlns:ct="http://schemas.microsoft.com/office/2006/metadata/contentType" xmlns:ma="http://schemas.microsoft.com/office/2006/metadata/properties/metaAttributes" ct:_="" ma:_="" ma:contentTypeName="Document" ma:contentTypeID="0x010100F041F74863103D4C9C3AA0A07291BB02" ma:contentTypeVersion="12" ma:contentTypeDescription="Create a new document." ma:contentTypeScope="" ma:versionID="b6917a42179461cc29e626d7b562cefd">
   <xsd:schema xmlns:xsd="http://www.w3.org/2001/XMLSchema" xmlns:xs="http://www.w3.org/2001/XMLSchema" xmlns:p="http://schemas.microsoft.com/office/2006/metadata/properties" xmlns:ns2="25bcabcf-d275-4206-9fb1-2f2d419cd22b" xmlns:ns3="ec500478-62e0-46fc-87f1-cfa988e486b4" targetNamespace="http://schemas.microsoft.com/office/2006/metadata/properties" ma:root="true" ma:fieldsID="2a71d797267f4c7d6ca005f01f7b1c6c" ns2:_="" ns3:_="">
     <xsd:import namespace="25bcabcf-d275-4206-9fb1-2f2d419cd22b"/>
@@ -9114,15 +9123,6 @@
 </ct:contentTypeSchema>
 </file>
 
-<file path=customXml/item3.xml><?xml version="1.0" encoding="utf-8"?>
-<?mso-contentType ?>
-<FormTemplates xmlns="http://schemas.microsoft.com/sharepoint/v3/contenttype/forms">
-  <Display>DocumentLibraryForm</Display>
-  <Edit>DocumentLibraryForm</Edit>
-  <New>DocumentLibraryForm</New>
-</FormTemplates>
-</file>
-
 <file path=customXml/itemProps1.xml><?xml version="1.0" encoding="utf-8"?>
 <ds:datastoreItem xmlns:ds="http://schemas.openxmlformats.org/officeDocument/2006/customXml" ds:itemID="{5F07B0D7-F930-4230-933E-ABA84959494E}">
   <ds:schemaRefs>
@@ -9141,6 +9141,14 @@
 </file>
 
 <file path=customXml/itemProps2.xml><?xml version="1.0" encoding="utf-8"?>
+<ds:datastoreItem xmlns:ds="http://schemas.openxmlformats.org/officeDocument/2006/customXml" ds:itemID="{B8B49826-D5EE-4D24-B649-7C3A19B527D2}">
+  <ds:schemaRefs>
+    <ds:schemaRef ds:uri="http://schemas.microsoft.com/sharepoint/v3/contenttype/forms"/>
+  </ds:schemaRefs>
+</ds:datastoreItem>
+</file>
+
+<file path=customXml/itemProps3.xml><?xml version="1.0" encoding="utf-8"?>
 <ds:datastoreItem xmlns:ds="http://schemas.openxmlformats.org/officeDocument/2006/customXml" ds:itemID="{B96A4D6A-DB22-42E8-ACBD-6078C4389774}">
   <ds:schemaRefs>
     <ds:schemaRef ds:uri="http://schemas.microsoft.com/office/2006/metadata/contentType"/>
@@ -9157,12 +9165,4 @@
     <ds:schemaRef ds:uri="http://schemas.microsoft.com/internal/obd"/>
   </ds:schemaRefs>
 </ds:datastoreItem>
-</file>
-
-<file path=customXml/itemProps3.xml><?xml version="1.0" encoding="utf-8"?>
-<ds:datastoreItem xmlns:ds="http://schemas.openxmlformats.org/officeDocument/2006/customXml" ds:itemID="{B8B49826-D5EE-4D24-B649-7C3A19B527D2}">
-  <ds:schemaRefs>
-    <ds:schemaRef ds:uri="http://schemas.microsoft.com/sharepoint/v3/contenttype/forms"/>
-  </ds:schemaRefs>
-</ds:datastoreItem>
 </file>
--- a/05_IntergalacticSPIN.pptx
+++ b/05_IntergalacticSPIN.pptx
@@ -3269,14 +3269,14 @@
           </a:ln>
           <a:extLst>
             <a:ext uri="{909E8E84-426E-40dd-AFC4-6F175D3DCCD1}">
-              <a14:hiddenFill xmlns="" xmlns:a14="http://schemas.microsoft.com/office/drawing/2010/main">
+              <a14:hiddenFill xmlns:a14="http://schemas.microsoft.com/office/drawing/2010/main" xmlns="">
                 <a:solidFill>
                   <a:schemeClr val="accent1"/>
                 </a:solidFill>
               </a14:hiddenFill>
             </a:ext>
             <a:ext uri="{91240B29-F687-4f45-9708-019B960494DF}">
-              <a14:hiddenLine xmlns="" xmlns:a14="http://schemas.microsoft.com/office/drawing/2010/main" w="9525">
+              <a14:hiddenLine xmlns:a14="http://schemas.microsoft.com/office/drawing/2010/main" xmlns="" w="9525">
                 <a:solidFill>
                   <a:schemeClr val="tx1"/>
                 </a:solidFill>
@@ -6158,7 +6158,7 @@
             <a:pPr lvl="2"/>
             <a:r>
               <a:rPr lang="en-ZA" dirty="0"/>
-              <a:t>Single source, reduce administration using automation, iterative improvements.</a:t>
+              <a:t>Single source, reduce administration using automation, rapid application development.</a:t>
             </a:r>
           </a:p>
           <a:p>
@@ -8898,15 +8898,6 @@
 </file>
 
 <file path=customXml/item2.xml><?xml version="1.0" encoding="utf-8"?>
-<?mso-contentType ?>
-<FormTemplates xmlns="http://schemas.microsoft.com/sharepoint/v3/contenttype/forms">
-  <Display>DocumentLibraryForm</Display>
-  <Edit>DocumentLibraryForm</Edit>
-  <New>DocumentLibraryForm</New>
-</FormTemplates>
-</file>
-
-<file path=customXml/item3.xml><?xml version="1.0" encoding="utf-8"?>
 <ct:contentTypeSchema xmlns:ct="http://schemas.microsoft.com/office/2006/metadata/contentType" xmlns:ma="http://schemas.microsoft.com/office/2006/metadata/properties/metaAttributes" ct:_="" ma:_="" ma:contentTypeName="Document" ma:contentTypeID="0x010100F041F74863103D4C9C3AA0A07291BB02" ma:contentTypeVersion="12" ma:contentTypeDescription="Create a new document." ma:contentTypeScope="" ma:versionID="b6917a42179461cc29e626d7b562cefd">
   <xsd:schema xmlns:xsd="http://www.w3.org/2001/XMLSchema" xmlns:xs="http://www.w3.org/2001/XMLSchema" xmlns:p="http://schemas.microsoft.com/office/2006/metadata/properties" xmlns:ns2="25bcabcf-d275-4206-9fb1-2f2d419cd22b" xmlns:ns3="ec500478-62e0-46fc-87f1-cfa988e486b4" targetNamespace="http://schemas.microsoft.com/office/2006/metadata/properties" ma:root="true" ma:fieldsID="2a71d797267f4c7d6ca005f01f7b1c6c" ns2:_="" ns3:_="">
     <xsd:import namespace="25bcabcf-d275-4206-9fb1-2f2d419cd22b"/>
@@ -9123,6 +9114,15 @@
 </ct:contentTypeSchema>
 </file>
 
+<file path=customXml/item3.xml><?xml version="1.0" encoding="utf-8"?>
+<?mso-contentType ?>
+<FormTemplates xmlns="http://schemas.microsoft.com/sharepoint/v3/contenttype/forms">
+  <Display>DocumentLibraryForm</Display>
+  <Edit>DocumentLibraryForm</Edit>
+  <New>DocumentLibraryForm</New>
+</FormTemplates>
+</file>
+
 <file path=customXml/itemProps1.xml><?xml version="1.0" encoding="utf-8"?>
 <ds:datastoreItem xmlns:ds="http://schemas.openxmlformats.org/officeDocument/2006/customXml" ds:itemID="{5F07B0D7-F930-4230-933E-ABA84959494E}">
   <ds:schemaRefs>
@@ -9141,14 +9141,6 @@
 </file>
 
 <file path=customXml/itemProps2.xml><?xml version="1.0" encoding="utf-8"?>
-<ds:datastoreItem xmlns:ds="http://schemas.openxmlformats.org/officeDocument/2006/customXml" ds:itemID="{B8B49826-D5EE-4D24-B649-7C3A19B527D2}">
-  <ds:schemaRefs>
-    <ds:schemaRef ds:uri="http://schemas.microsoft.com/sharepoint/v3/contenttype/forms"/>
-  </ds:schemaRefs>
-</ds:datastoreItem>
-</file>
-
-<file path=customXml/itemProps3.xml><?xml version="1.0" encoding="utf-8"?>
 <ds:datastoreItem xmlns:ds="http://schemas.openxmlformats.org/officeDocument/2006/customXml" ds:itemID="{B96A4D6A-DB22-42E8-ACBD-6078C4389774}">
   <ds:schemaRefs>
     <ds:schemaRef ds:uri="http://schemas.microsoft.com/office/2006/metadata/contentType"/>
@@ -9165,4 +9157,12 @@
     <ds:schemaRef ds:uri="http://schemas.microsoft.com/internal/obd"/>
   </ds:schemaRefs>
 </ds:datastoreItem>
+</file>
+
+<file path=customXml/itemProps3.xml><?xml version="1.0" encoding="utf-8"?>
+<ds:datastoreItem xmlns:ds="http://schemas.openxmlformats.org/officeDocument/2006/customXml" ds:itemID="{B8B49826-D5EE-4D24-B649-7C3A19B527D2}">
+  <ds:schemaRefs>
+    <ds:schemaRef ds:uri="http://schemas.microsoft.com/sharepoint/v3/contenttype/forms"/>
+  </ds:schemaRefs>
+</ds:datastoreItem>
 </file>